--- a/Linux/Cgroup/2. cgroup代码浅析/attachment/draft.pptx
+++ b/Linux/Cgroup/2. cgroup代码浅析/attachment/draft.pptx
@@ -104,6 +104,11 @@
       </a:defRPr>
     </a:lvl9pPr>
   </p:defaultTextStyle>
+  <p:extLst>
+    <p:ext uri="{EFAFB233-063F-42B5-8137-9DF3F51BA10A}">
+      <p15:sldGuideLst xmlns:p15="http://schemas.microsoft.com/office/powerpoint/2012/main"/>
+    </p:ext>
+  </p:extLst>
 </p:presentation>
 </file>
 
@@ -253,7 +258,7 @@
           <a:lstStyle/>
           <a:p>
             <a:fld id="{0675B273-14FB-9341-AA95-F69172FFE49D}" type="datetimeFigureOut">
-              <a:t>2021/5/27</a:t>
+              <a:t>2021/5/28</a:t>
             </a:fld>
             <a:endParaRPr kumimoji="1" lang="zh-CN" altLang="en-US"/>
           </a:p>
@@ -449,7 +454,7 @@
           <a:lstStyle/>
           <a:p>
             <a:fld id="{0675B273-14FB-9341-AA95-F69172FFE49D}" type="datetimeFigureOut">
-              <a:t>2021/5/27</a:t>
+              <a:t>2021/5/28</a:t>
             </a:fld>
             <a:endParaRPr kumimoji="1" lang="zh-CN" altLang="en-US"/>
           </a:p>
@@ -655,7 +660,7 @@
           <a:lstStyle/>
           <a:p>
             <a:fld id="{0675B273-14FB-9341-AA95-F69172FFE49D}" type="datetimeFigureOut">
-              <a:t>2021/5/27</a:t>
+              <a:t>2021/5/28</a:t>
             </a:fld>
             <a:endParaRPr kumimoji="1" lang="zh-CN" altLang="en-US"/>
           </a:p>
@@ -851,7 +856,7 @@
           <a:lstStyle/>
           <a:p>
             <a:fld id="{0675B273-14FB-9341-AA95-F69172FFE49D}" type="datetimeFigureOut">
-              <a:t>2021/5/27</a:t>
+              <a:t>2021/5/28</a:t>
             </a:fld>
             <a:endParaRPr kumimoji="1" lang="zh-CN" altLang="en-US"/>
           </a:p>
@@ -1124,7 +1129,7 @@
           <a:lstStyle/>
           <a:p>
             <a:fld id="{0675B273-14FB-9341-AA95-F69172FFE49D}" type="datetimeFigureOut">
-              <a:t>2021/5/27</a:t>
+              <a:t>2021/5/28</a:t>
             </a:fld>
             <a:endParaRPr kumimoji="1" lang="zh-CN" altLang="en-US"/>
           </a:p>
@@ -1387,7 +1392,7 @@
           <a:lstStyle/>
           <a:p>
             <a:fld id="{0675B273-14FB-9341-AA95-F69172FFE49D}" type="datetimeFigureOut">
-              <a:t>2021/5/27</a:t>
+              <a:t>2021/5/28</a:t>
             </a:fld>
             <a:endParaRPr kumimoji="1" lang="zh-CN" altLang="en-US"/>
           </a:p>
@@ -1797,7 +1802,7 @@
           <a:lstStyle/>
           <a:p>
             <a:fld id="{0675B273-14FB-9341-AA95-F69172FFE49D}" type="datetimeFigureOut">
-              <a:t>2021/5/27</a:t>
+              <a:t>2021/5/28</a:t>
             </a:fld>
             <a:endParaRPr kumimoji="1" lang="zh-CN" altLang="en-US"/>
           </a:p>
@@ -1936,7 +1941,7 @@
           <a:lstStyle/>
           <a:p>
             <a:fld id="{0675B273-14FB-9341-AA95-F69172FFE49D}" type="datetimeFigureOut">
-              <a:t>2021/5/27</a:t>
+              <a:t>2021/5/28</a:t>
             </a:fld>
             <a:endParaRPr kumimoji="1" lang="zh-CN" altLang="en-US"/>
           </a:p>
@@ -2047,7 +2052,7 @@
           <a:lstStyle/>
           <a:p>
             <a:fld id="{0675B273-14FB-9341-AA95-F69172FFE49D}" type="datetimeFigureOut">
-              <a:t>2021/5/27</a:t>
+              <a:t>2021/5/28</a:t>
             </a:fld>
             <a:endParaRPr kumimoji="1" lang="zh-CN" altLang="en-US"/>
           </a:p>
@@ -2356,7 +2361,7 @@
           <a:lstStyle/>
           <a:p>
             <a:fld id="{0675B273-14FB-9341-AA95-F69172FFE49D}" type="datetimeFigureOut">
-              <a:t>2021/5/27</a:t>
+              <a:t>2021/5/28</a:t>
             </a:fld>
             <a:endParaRPr kumimoji="1" lang="zh-CN" altLang="en-US"/>
           </a:p>
@@ -2642,7 +2647,7 @@
           <a:lstStyle/>
           <a:p>
             <a:fld id="{0675B273-14FB-9341-AA95-F69172FFE49D}" type="datetimeFigureOut">
-              <a:t>2021/5/27</a:t>
+              <a:t>2021/5/28</a:t>
             </a:fld>
             <a:endParaRPr kumimoji="1" lang="zh-CN" altLang="en-US"/>
           </a:p>
@@ -2881,7 +2886,7 @@
           </a:lstStyle>
           <a:p>
             <a:fld id="{0675B273-14FB-9341-AA95-F69172FFE49D}" type="datetimeFigureOut">
-              <a:t>2021/5/27</a:t>
+              <a:t>2021/5/28</a:t>
             </a:fld>
             <a:endParaRPr kumimoji="1" lang="zh-CN" altLang="en-US"/>
           </a:p>
@@ -4599,6 +4604,92 @@
           </a:prstGeom>
           <a:ln w="19050">
             <a:headEnd type="triangle"/>
+            <a:tailEnd type="triangle"/>
+          </a:ln>
+        </p:spPr>
+        <p:style>
+          <a:lnRef idx="1">
+            <a:schemeClr val="accent1"/>
+          </a:lnRef>
+          <a:fillRef idx="0">
+            <a:schemeClr val="accent1"/>
+          </a:fillRef>
+          <a:effectRef idx="0">
+            <a:schemeClr val="accent1"/>
+          </a:effectRef>
+          <a:fontRef idx="minor">
+            <a:schemeClr val="tx1"/>
+          </a:fontRef>
+        </p:style>
+      </p:cxnSp>
+      <p:cxnSp>
+        <p:nvCxnSpPr>
+          <p:cNvPr id="15" name="肘形连接符 14">
+            <a:extLst>
+              <a:ext uri="{FF2B5EF4-FFF2-40B4-BE49-F238E27FC236}">
+                <a16:creationId xmlns:a16="http://schemas.microsoft.com/office/drawing/2014/main" id="{3DCC7113-22BF-6345-BDAB-7EF1B8E0342C}"/>
+              </a:ext>
+            </a:extLst>
+          </p:cNvPr>
+          <p:cNvCxnSpPr>
+            <a:cxnSpLocks/>
+          </p:cNvCxnSpPr>
+          <p:nvPr/>
+        </p:nvCxnSpPr>
+        <p:spPr>
+          <a:xfrm rot="10800000">
+            <a:off x="2229579" y="659132"/>
+            <a:ext cx="2839146" cy="749876"/>
+          </a:xfrm>
+          <a:prstGeom prst="bentConnector3">
+            <a:avLst>
+              <a:gd name="adj1" fmla="val 50000"/>
+            </a:avLst>
+          </a:prstGeom>
+          <a:ln w="19050">
+            <a:tailEnd type="triangle"/>
+          </a:ln>
+        </p:spPr>
+        <p:style>
+          <a:lnRef idx="1">
+            <a:schemeClr val="accent1"/>
+          </a:lnRef>
+          <a:fillRef idx="0">
+            <a:schemeClr val="accent1"/>
+          </a:fillRef>
+          <a:effectRef idx="0">
+            <a:schemeClr val="accent1"/>
+          </a:effectRef>
+          <a:fontRef idx="minor">
+            <a:schemeClr val="tx1"/>
+          </a:fontRef>
+        </p:style>
+      </p:cxnSp>
+      <p:cxnSp>
+        <p:nvCxnSpPr>
+          <p:cNvPr id="17" name="肘形连接符 16">
+            <a:extLst>
+              <a:ext uri="{FF2B5EF4-FFF2-40B4-BE49-F238E27FC236}">
+                <a16:creationId xmlns:a16="http://schemas.microsoft.com/office/drawing/2014/main" id="{39563E72-09F1-6045-B593-651AEB82D177}"/>
+              </a:ext>
+            </a:extLst>
+          </p:cNvPr>
+          <p:cNvCxnSpPr>
+            <a:cxnSpLocks/>
+          </p:cNvCxnSpPr>
+          <p:nvPr/>
+        </p:nvCxnSpPr>
+        <p:spPr>
+          <a:xfrm flipV="1">
+            <a:off x="7121852" y="698107"/>
+            <a:ext cx="2839145" cy="335962"/>
+          </a:xfrm>
+          <a:prstGeom prst="bentConnector3">
+            <a:avLst>
+              <a:gd name="adj1" fmla="val 50000"/>
+            </a:avLst>
+          </a:prstGeom>
+          <a:ln w="19050">
             <a:tailEnd type="triangle"/>
           </a:ln>
         </p:spPr>

--- a/Linux/Cgroup/2. cgroup代码浅析/attachment/draft.pptx
+++ b/Linux/Cgroup/2. cgroup代码浅析/attachment/draft.pptx
@@ -258,7 +258,7 @@
           <a:lstStyle/>
           <a:p>
             <a:fld id="{0675B273-14FB-9341-AA95-F69172FFE49D}" type="datetimeFigureOut">
-              <a:t>2021/5/28</a:t>
+              <a:t>2021/5/31</a:t>
             </a:fld>
             <a:endParaRPr kumimoji="1" lang="zh-CN" altLang="en-US"/>
           </a:p>
@@ -454,7 +454,7 @@
           <a:lstStyle/>
           <a:p>
             <a:fld id="{0675B273-14FB-9341-AA95-F69172FFE49D}" type="datetimeFigureOut">
-              <a:t>2021/5/28</a:t>
+              <a:t>2021/5/31</a:t>
             </a:fld>
             <a:endParaRPr kumimoji="1" lang="zh-CN" altLang="en-US"/>
           </a:p>
@@ -660,7 +660,7 @@
           <a:lstStyle/>
           <a:p>
             <a:fld id="{0675B273-14FB-9341-AA95-F69172FFE49D}" type="datetimeFigureOut">
-              <a:t>2021/5/28</a:t>
+              <a:t>2021/5/31</a:t>
             </a:fld>
             <a:endParaRPr kumimoji="1" lang="zh-CN" altLang="en-US"/>
           </a:p>
@@ -856,7 +856,7 @@
           <a:lstStyle/>
           <a:p>
             <a:fld id="{0675B273-14FB-9341-AA95-F69172FFE49D}" type="datetimeFigureOut">
-              <a:t>2021/5/28</a:t>
+              <a:t>2021/5/31</a:t>
             </a:fld>
             <a:endParaRPr kumimoji="1" lang="zh-CN" altLang="en-US"/>
           </a:p>
@@ -1129,7 +1129,7 @@
           <a:lstStyle/>
           <a:p>
             <a:fld id="{0675B273-14FB-9341-AA95-F69172FFE49D}" type="datetimeFigureOut">
-              <a:t>2021/5/28</a:t>
+              <a:t>2021/5/31</a:t>
             </a:fld>
             <a:endParaRPr kumimoji="1" lang="zh-CN" altLang="en-US"/>
           </a:p>
@@ -1392,7 +1392,7 @@
           <a:lstStyle/>
           <a:p>
             <a:fld id="{0675B273-14FB-9341-AA95-F69172FFE49D}" type="datetimeFigureOut">
-              <a:t>2021/5/28</a:t>
+              <a:t>2021/5/31</a:t>
             </a:fld>
             <a:endParaRPr kumimoji="1" lang="zh-CN" altLang="en-US"/>
           </a:p>
@@ -1802,7 +1802,7 @@
           <a:lstStyle/>
           <a:p>
             <a:fld id="{0675B273-14FB-9341-AA95-F69172FFE49D}" type="datetimeFigureOut">
-              <a:t>2021/5/28</a:t>
+              <a:t>2021/5/31</a:t>
             </a:fld>
             <a:endParaRPr kumimoji="1" lang="zh-CN" altLang="en-US"/>
           </a:p>
@@ -1941,7 +1941,7 @@
           <a:lstStyle/>
           <a:p>
             <a:fld id="{0675B273-14FB-9341-AA95-F69172FFE49D}" type="datetimeFigureOut">
-              <a:t>2021/5/28</a:t>
+              <a:t>2021/5/31</a:t>
             </a:fld>
             <a:endParaRPr kumimoji="1" lang="zh-CN" altLang="en-US"/>
           </a:p>
@@ -2052,7 +2052,7 @@
           <a:lstStyle/>
           <a:p>
             <a:fld id="{0675B273-14FB-9341-AA95-F69172FFE49D}" type="datetimeFigureOut">
-              <a:t>2021/5/28</a:t>
+              <a:t>2021/5/31</a:t>
             </a:fld>
             <a:endParaRPr kumimoji="1" lang="zh-CN" altLang="en-US"/>
           </a:p>
@@ -2361,7 +2361,7 @@
           <a:lstStyle/>
           <a:p>
             <a:fld id="{0675B273-14FB-9341-AA95-F69172FFE49D}" type="datetimeFigureOut">
-              <a:t>2021/5/28</a:t>
+              <a:t>2021/5/31</a:t>
             </a:fld>
             <a:endParaRPr kumimoji="1" lang="zh-CN" altLang="en-US"/>
           </a:p>
@@ -2647,7 +2647,7 @@
           <a:lstStyle/>
           <a:p>
             <a:fld id="{0675B273-14FB-9341-AA95-F69172FFE49D}" type="datetimeFigureOut">
-              <a:t>2021/5/28</a:t>
+              <a:t>2021/5/31</a:t>
             </a:fld>
             <a:endParaRPr kumimoji="1" lang="zh-CN" altLang="en-US"/>
           </a:p>
@@ -2886,7 +2886,7 @@
           </a:lstStyle>
           <a:p>
             <a:fld id="{0675B273-14FB-9341-AA95-F69172FFE49D}" type="datetimeFigureOut">
-              <a:t>2021/5/28</a:t>
+              <a:t>2021/5/31</a:t>
             </a:fld>
             <a:endParaRPr kumimoji="1" lang="zh-CN" altLang="en-US"/>
           </a:p>
@@ -4683,6 +4683,459 @@
           <a:xfrm flipV="1">
             <a:off x="7121852" y="698107"/>
             <a:ext cx="2839145" cy="335962"/>
+          </a:xfrm>
+          <a:prstGeom prst="bentConnector3">
+            <a:avLst>
+              <a:gd name="adj1" fmla="val 50000"/>
+            </a:avLst>
+          </a:prstGeom>
+          <a:ln w="19050">
+            <a:tailEnd type="triangle"/>
+          </a:ln>
+        </p:spPr>
+        <p:style>
+          <a:lnRef idx="1">
+            <a:schemeClr val="accent1"/>
+          </a:lnRef>
+          <a:fillRef idx="0">
+            <a:schemeClr val="accent1"/>
+          </a:fillRef>
+          <a:effectRef idx="0">
+            <a:schemeClr val="accent1"/>
+          </a:effectRef>
+          <a:fontRef idx="minor">
+            <a:schemeClr val="tx1"/>
+          </a:fontRef>
+        </p:style>
+      </p:cxnSp>
+      <p:graphicFrame>
+        <p:nvGraphicFramePr>
+          <p:cNvPr id="16" name="表格 4">
+            <a:extLst>
+              <a:ext uri="{FF2B5EF4-FFF2-40B4-BE49-F238E27FC236}">
+                <a16:creationId xmlns:a16="http://schemas.microsoft.com/office/drawing/2014/main" id="{1A2F846E-D729-E74A-BACF-C205DDCB4C89}"/>
+              </a:ext>
+            </a:extLst>
+          </p:cNvPr>
+          <p:cNvGraphicFramePr>
+            <a:graphicFrameLocks noGrp="1"/>
+          </p:cNvGraphicFramePr>
+          <p:nvPr>
+            <p:extLst>
+              <p:ext uri="{D42A27DB-BD31-4B8C-83A1-F6EECF244321}">
+                <p14:modId xmlns:p14="http://schemas.microsoft.com/office/powerpoint/2010/main" val="2362539265"/>
+              </p:ext>
+            </p:extLst>
+          </p:nvPr>
+        </p:nvGraphicFramePr>
+        <p:xfrm>
+          <a:off x="53104" y="4548053"/>
+          <a:ext cx="2184400" cy="1483360"/>
+        </p:xfrm>
+        <a:graphic>
+          <a:graphicData uri="http://schemas.openxmlformats.org/drawingml/2006/table">
+            <a:tbl>
+              <a:tblPr firstRow="1" bandRow="1">
+                <a:tableStyleId>{5C22544A-7EE6-4342-B048-85BDC9FD1C3A}</a:tableStyleId>
+              </a:tblPr>
+              <a:tblGrid>
+                <a:gridCol w="2184400">
+                  <a:extLst>
+                    <a:ext uri="{9D8B030D-6E8A-4147-A177-3AD203B41FA5}">
+                      <a16:colId xmlns:a16="http://schemas.microsoft.com/office/drawing/2014/main" val="3665993599"/>
+                    </a:ext>
+                  </a:extLst>
+                </a:gridCol>
+              </a:tblGrid>
+              <a:tr h="370840">
+                <a:tc>
+                  <a:txBody>
+                    <a:bodyPr/>
+                    <a:lstStyle/>
+                    <a:p>
+                      <a:pPr algn="ctr"/>
+                      <a:r>
+                        <a:rPr lang="en-US" altLang="zh-CN" sz="1400"/>
+                        <a:t>struct</a:t>
+                      </a:r>
+                      <a:r>
+                        <a:rPr lang="zh-CN" altLang="en-US" sz="1400"/>
+                        <a:t> </a:t>
+                      </a:r>
+                      <a:r>
+                        <a:rPr lang="en-US" altLang="zh-CN" sz="1400"/>
+                        <a:t>css_set</a:t>
+                      </a:r>
+                      <a:endParaRPr lang="zh-CN" altLang="en-US" sz="1400"/>
+                    </a:p>
+                  </a:txBody>
+                  <a:tcPr anchor="ctr"/>
+                </a:tc>
+                <a:extLst>
+                  <a:ext uri="{0D108BD9-81ED-4DB2-BD59-A6C34878D82A}">
+                    <a16:rowId xmlns:a16="http://schemas.microsoft.com/office/drawing/2014/main" val="3011990070"/>
+                  </a:ext>
+                </a:extLst>
+              </a:tr>
+              <a:tr h="370840">
+                <a:tc>
+                  <a:txBody>
+                    <a:bodyPr/>
+                    <a:lstStyle/>
+                    <a:p>
+                      <a:pPr algn="ctr"/>
+                      <a:r>
+                        <a:rPr lang="en-US" altLang="zh-CN" sz="1400"/>
+                        <a:t>…</a:t>
+                      </a:r>
+                      <a:endParaRPr lang="zh-CN" altLang="en-US" sz="1400"/>
+                    </a:p>
+                  </a:txBody>
+                  <a:tcPr anchor="ctr"/>
+                </a:tc>
+                <a:extLst>
+                  <a:ext uri="{0D108BD9-81ED-4DB2-BD59-A6C34878D82A}">
+                    <a16:rowId xmlns:a16="http://schemas.microsoft.com/office/drawing/2014/main" val="735624714"/>
+                  </a:ext>
+                </a:extLst>
+              </a:tr>
+              <a:tr h="370840">
+                <a:tc>
+                  <a:txBody>
+                    <a:bodyPr/>
+                    <a:lstStyle/>
+                    <a:p>
+                      <a:pPr algn="ctr"/>
+                      <a:r>
+                        <a:rPr lang="en-US" altLang="zh-CN" sz="1400"/>
+                        <a:t>struct list_head cgrp_links;</a:t>
+                      </a:r>
+                      <a:endParaRPr lang="zh-CN" altLang="en-US" sz="1400"/>
+                    </a:p>
+                  </a:txBody>
+                  <a:tcPr anchor="ctr"/>
+                </a:tc>
+                <a:extLst>
+                  <a:ext uri="{0D108BD9-81ED-4DB2-BD59-A6C34878D82A}">
+                    <a16:rowId xmlns:a16="http://schemas.microsoft.com/office/drawing/2014/main" val="2362935472"/>
+                  </a:ext>
+                </a:extLst>
+              </a:tr>
+              <a:tr h="370840">
+                <a:tc>
+                  <a:txBody>
+                    <a:bodyPr/>
+                    <a:lstStyle/>
+                    <a:p>
+                      <a:pPr algn="ctr"/>
+                      <a:r>
+                        <a:rPr lang="en-US" altLang="zh-CN" sz="1400"/>
+                        <a:t>…</a:t>
+                      </a:r>
+                      <a:endParaRPr lang="zh-CN" altLang="en-US" sz="1400"/>
+                    </a:p>
+                  </a:txBody>
+                  <a:tcPr anchor="ctr"/>
+                </a:tc>
+                <a:extLst>
+                  <a:ext uri="{0D108BD9-81ED-4DB2-BD59-A6C34878D82A}">
+                    <a16:rowId xmlns:a16="http://schemas.microsoft.com/office/drawing/2014/main" val="1659286750"/>
+                  </a:ext>
+                </a:extLst>
+              </a:tr>
+            </a:tbl>
+          </a:graphicData>
+        </a:graphic>
+      </p:graphicFrame>
+      <p:graphicFrame>
+        <p:nvGraphicFramePr>
+          <p:cNvPr id="18" name="表格 4">
+            <a:extLst>
+              <a:ext uri="{FF2B5EF4-FFF2-40B4-BE49-F238E27FC236}">
+                <a16:creationId xmlns:a16="http://schemas.microsoft.com/office/drawing/2014/main" id="{08F74DAB-36CE-2F4C-A1FA-444C9CBB3EAE}"/>
+              </a:ext>
+            </a:extLst>
+          </p:cNvPr>
+          <p:cNvGraphicFramePr>
+            <a:graphicFrameLocks noGrp="1"/>
+          </p:cNvGraphicFramePr>
+          <p:nvPr>
+            <p:extLst>
+              <p:ext uri="{D42A27DB-BD31-4B8C-83A1-F6EECF244321}">
+                <p14:modId xmlns:p14="http://schemas.microsoft.com/office/powerpoint/2010/main" val="3976055241"/>
+              </p:ext>
+            </p:extLst>
+          </p:nvPr>
+        </p:nvGraphicFramePr>
+        <p:xfrm>
+          <a:off x="9970101" y="4547293"/>
+          <a:ext cx="2184400" cy="1483360"/>
+        </p:xfrm>
+        <a:graphic>
+          <a:graphicData uri="http://schemas.openxmlformats.org/drawingml/2006/table">
+            <a:tbl>
+              <a:tblPr firstRow="1" bandRow="1">
+                <a:tableStyleId>{5C22544A-7EE6-4342-B048-85BDC9FD1C3A}</a:tableStyleId>
+              </a:tblPr>
+              <a:tblGrid>
+                <a:gridCol w="2184400">
+                  <a:extLst>
+                    <a:ext uri="{9D8B030D-6E8A-4147-A177-3AD203B41FA5}">
+                      <a16:colId xmlns:a16="http://schemas.microsoft.com/office/drawing/2014/main" val="3665993599"/>
+                    </a:ext>
+                  </a:extLst>
+                </a:gridCol>
+              </a:tblGrid>
+              <a:tr h="370840">
+                <a:tc>
+                  <a:txBody>
+                    <a:bodyPr/>
+                    <a:lstStyle/>
+                    <a:p>
+                      <a:pPr algn="ctr"/>
+                      <a:r>
+                        <a:rPr lang="en-US" altLang="zh-CN" sz="1400"/>
+                        <a:t>struct</a:t>
+                      </a:r>
+                      <a:r>
+                        <a:rPr lang="zh-CN" altLang="en-US" sz="1400"/>
+                        <a:t> </a:t>
+                      </a:r>
+                      <a:r>
+                        <a:rPr lang="en-US" altLang="zh-CN" sz="1400"/>
+                        <a:t>cgroup</a:t>
+                      </a:r>
+                      <a:endParaRPr lang="zh-CN" altLang="en-US" sz="1400"/>
+                    </a:p>
+                  </a:txBody>
+                  <a:tcPr anchor="ctr"/>
+                </a:tc>
+                <a:extLst>
+                  <a:ext uri="{0D108BD9-81ED-4DB2-BD59-A6C34878D82A}">
+                    <a16:rowId xmlns:a16="http://schemas.microsoft.com/office/drawing/2014/main" val="3011990070"/>
+                  </a:ext>
+                </a:extLst>
+              </a:tr>
+              <a:tr h="370840">
+                <a:tc>
+                  <a:txBody>
+                    <a:bodyPr/>
+                    <a:lstStyle/>
+                    <a:p>
+                      <a:pPr algn="ctr"/>
+                      <a:r>
+                        <a:rPr lang="en-US" altLang="zh-CN" sz="1400"/>
+                        <a:t>…</a:t>
+                      </a:r>
+                      <a:endParaRPr lang="zh-CN" altLang="en-US" sz="1400"/>
+                    </a:p>
+                  </a:txBody>
+                  <a:tcPr anchor="ctr"/>
+                </a:tc>
+                <a:extLst>
+                  <a:ext uri="{0D108BD9-81ED-4DB2-BD59-A6C34878D82A}">
+                    <a16:rowId xmlns:a16="http://schemas.microsoft.com/office/drawing/2014/main" val="735624714"/>
+                  </a:ext>
+                </a:extLst>
+              </a:tr>
+              <a:tr h="370840">
+                <a:tc>
+                  <a:txBody>
+                    <a:bodyPr/>
+                    <a:lstStyle/>
+                    <a:p>
+                      <a:pPr algn="ctr"/>
+                      <a:r>
+                        <a:rPr lang="en-US" altLang="zh-CN" sz="1400"/>
+                        <a:t>struct list_head cset_links;</a:t>
+                      </a:r>
+                      <a:endParaRPr lang="zh-CN" altLang="en-US" sz="1400"/>
+                    </a:p>
+                  </a:txBody>
+                  <a:tcPr anchor="ctr"/>
+                </a:tc>
+                <a:extLst>
+                  <a:ext uri="{0D108BD9-81ED-4DB2-BD59-A6C34878D82A}">
+                    <a16:rowId xmlns:a16="http://schemas.microsoft.com/office/drawing/2014/main" val="2362935472"/>
+                  </a:ext>
+                </a:extLst>
+              </a:tr>
+              <a:tr h="370840">
+                <a:tc>
+                  <a:txBody>
+                    <a:bodyPr/>
+                    <a:lstStyle/>
+                    <a:p>
+                      <a:pPr algn="ctr"/>
+                      <a:r>
+                        <a:rPr lang="en-US" altLang="zh-CN" sz="1400"/>
+                        <a:t>…</a:t>
+                      </a:r>
+                      <a:endParaRPr lang="zh-CN" altLang="en-US" sz="1400"/>
+                    </a:p>
+                  </a:txBody>
+                  <a:tcPr anchor="ctr"/>
+                </a:tc>
+                <a:extLst>
+                  <a:ext uri="{0D108BD9-81ED-4DB2-BD59-A6C34878D82A}">
+                    <a16:rowId xmlns:a16="http://schemas.microsoft.com/office/drawing/2014/main" val="1659286750"/>
+                  </a:ext>
+                </a:extLst>
+              </a:tr>
+            </a:tbl>
+          </a:graphicData>
+        </a:graphic>
+      </p:graphicFrame>
+      <p:cxnSp>
+        <p:nvCxnSpPr>
+          <p:cNvPr id="19" name="肘形连接符 18">
+            <a:extLst>
+              <a:ext uri="{FF2B5EF4-FFF2-40B4-BE49-F238E27FC236}">
+                <a16:creationId xmlns:a16="http://schemas.microsoft.com/office/drawing/2014/main" id="{AC1BD3DF-8F9A-4849-8E7A-A2B3744B33C3}"/>
+              </a:ext>
+            </a:extLst>
+          </p:cNvPr>
+          <p:cNvCxnSpPr>
+            <a:cxnSpLocks/>
+            <a:endCxn id="5" idx="2"/>
+          </p:cNvCxnSpPr>
+          <p:nvPr/>
+        </p:nvCxnSpPr>
+        <p:spPr>
+          <a:xfrm rot="5400000" flipH="1" flipV="1">
+            <a:off x="1581622" y="4587429"/>
+            <a:ext cx="1602431" cy="290668"/>
+          </a:xfrm>
+          <a:prstGeom prst="bentConnector3">
+            <a:avLst>
+              <a:gd name="adj1" fmla="val 648"/>
+            </a:avLst>
+          </a:prstGeom>
+          <a:ln w="19050">
+            <a:tailEnd type="triangle"/>
+          </a:ln>
+        </p:spPr>
+        <p:style>
+          <a:lnRef idx="1">
+            <a:schemeClr val="accent1"/>
+          </a:lnRef>
+          <a:fillRef idx="0">
+            <a:schemeClr val="accent1"/>
+          </a:fillRef>
+          <a:effectRef idx="0">
+            <a:schemeClr val="accent1"/>
+          </a:effectRef>
+          <a:fontRef idx="minor">
+            <a:schemeClr val="tx1"/>
+          </a:fontRef>
+        </p:style>
+      </p:cxnSp>
+      <p:cxnSp>
+        <p:nvCxnSpPr>
+          <p:cNvPr id="21" name="肘形连接符 20">
+            <a:extLst>
+              <a:ext uri="{FF2B5EF4-FFF2-40B4-BE49-F238E27FC236}">
+                <a16:creationId xmlns:a16="http://schemas.microsoft.com/office/drawing/2014/main" id="{A62D1D12-17AC-0E43-8A37-923CB0AF0251}"/>
+              </a:ext>
+            </a:extLst>
+          </p:cNvPr>
+          <p:cNvCxnSpPr>
+            <a:cxnSpLocks/>
+            <a:endCxn id="8" idx="2"/>
+          </p:cNvCxnSpPr>
+          <p:nvPr/>
+        </p:nvCxnSpPr>
+        <p:spPr>
+          <a:xfrm rot="16200000" flipV="1">
+            <a:off x="8910189" y="4451645"/>
+            <a:ext cx="1571286" cy="530330"/>
+          </a:xfrm>
+          <a:prstGeom prst="bentConnector3">
+            <a:avLst>
+              <a:gd name="adj1" fmla="val 194"/>
+            </a:avLst>
+          </a:prstGeom>
+          <a:ln w="19050">
+            <a:tailEnd type="triangle"/>
+          </a:ln>
+        </p:spPr>
+        <p:style>
+          <a:lnRef idx="1">
+            <a:schemeClr val="accent1"/>
+          </a:lnRef>
+          <a:fillRef idx="0">
+            <a:schemeClr val="accent1"/>
+          </a:fillRef>
+          <a:effectRef idx="0">
+            <a:schemeClr val="accent1"/>
+          </a:effectRef>
+          <a:fontRef idx="minor">
+            <a:schemeClr val="tx1"/>
+          </a:fontRef>
+        </p:style>
+      </p:cxnSp>
+      <p:cxnSp>
+        <p:nvCxnSpPr>
+          <p:cNvPr id="24" name="肘形连接符 23">
+            <a:extLst>
+              <a:ext uri="{FF2B5EF4-FFF2-40B4-BE49-F238E27FC236}">
+                <a16:creationId xmlns:a16="http://schemas.microsoft.com/office/drawing/2014/main" id="{977C5265-3911-C54E-9CFF-8B00064C198F}"/>
+              </a:ext>
+            </a:extLst>
+          </p:cNvPr>
+          <p:cNvCxnSpPr>
+            <a:cxnSpLocks/>
+            <a:stCxn id="9" idx="1"/>
+          </p:cNvCxnSpPr>
+          <p:nvPr/>
+        </p:nvCxnSpPr>
+        <p:spPr>
+          <a:xfrm rot="10800000" flipV="1">
+            <a:off x="2230177" y="4462344"/>
+            <a:ext cx="2820112" cy="297820"/>
+          </a:xfrm>
+          <a:prstGeom prst="bentConnector3">
+            <a:avLst>
+              <a:gd name="adj1" fmla="val 50000"/>
+            </a:avLst>
+          </a:prstGeom>
+          <a:ln w="19050">
+            <a:tailEnd type="triangle"/>
+          </a:ln>
+        </p:spPr>
+        <p:style>
+          <a:lnRef idx="1">
+            <a:schemeClr val="accent1"/>
+          </a:lnRef>
+          <a:fillRef idx="0">
+            <a:schemeClr val="accent1"/>
+          </a:fillRef>
+          <a:effectRef idx="0">
+            <a:schemeClr val="accent1"/>
+          </a:effectRef>
+          <a:fontRef idx="minor">
+            <a:schemeClr val="tx1"/>
+          </a:fontRef>
+        </p:style>
+      </p:cxnSp>
+      <p:cxnSp>
+        <p:nvCxnSpPr>
+          <p:cNvPr id="26" name="肘形连接符 25">
+            <a:extLst>
+              <a:ext uri="{FF2B5EF4-FFF2-40B4-BE49-F238E27FC236}">
+                <a16:creationId xmlns:a16="http://schemas.microsoft.com/office/drawing/2014/main" id="{BE7D7E77-E588-A343-869E-C1D3CE54B595}"/>
+              </a:ext>
+            </a:extLst>
+          </p:cNvPr>
+          <p:cNvCxnSpPr>
+            <a:cxnSpLocks/>
+          </p:cNvCxnSpPr>
+          <p:nvPr/>
+        </p:nvCxnSpPr>
+        <p:spPr>
+          <a:xfrm>
+            <a:off x="7111859" y="4101802"/>
+            <a:ext cx="2858242" cy="658363"/>
           </a:xfrm>
           <a:prstGeom prst="bentConnector3">
             <a:avLst>

--- a/Linux/Cgroup/2. cgroup代码浅析/attachment/draft.pptx
+++ b/Linux/Cgroup/2. cgroup代码浅析/attachment/draft.pptx
@@ -4198,7 +4198,7 @@
           <p:nvPr>
             <p:extLst>
               <p:ext uri="{D42A27DB-BD31-4B8C-83A1-F6EECF244321}">
-                <p14:modId xmlns:p14="http://schemas.microsoft.com/office/powerpoint/2010/main" val="3698942992"/>
+                <p14:modId xmlns:p14="http://schemas.microsoft.com/office/powerpoint/2010/main" val="23143356"/>
               </p:ext>
             </p:extLst>
           </p:nvPr>
@@ -4253,7 +4253,7 @@
                       <a:pPr algn="ctr"/>
                       <a:r>
                         <a:rPr lang="en-US" altLang="zh-CN" sz="1400"/>
-                        <a:t>struct cgroup</a:t>
+                        <a:t>struct list_head</a:t>
                       </a:r>
                       <a:r>
                         <a:rPr lang="zh-CN" altLang="en-US" sz="1400"/>
@@ -4261,7 +4261,7 @@
                       </a:r>
                       <a:r>
                         <a:rPr lang="en-US" altLang="zh-CN" sz="1400"/>
-                        <a:t>*cgrp;</a:t>
+                        <a:t>cgrp_link;</a:t>
                       </a:r>
                       <a:endParaRPr lang="zh-CN" altLang="en-US" sz="1400"/>
                     </a:p>
@@ -4280,10 +4280,26 @@
                     <a:bodyPr/>
                     <a:lstStyle/>
                     <a:p>
-                      <a:pPr algn="ctr"/>
+                      <a:pPr marL="0" marR="0" lvl="0" indent="0" algn="ctr" defTabSz="914400" rtl="0" eaLnBrk="1" fontAlgn="auto" latinLnBrk="0" hangingPunct="1">
+                        <a:lnSpc>
+                          <a:spcPct val="100000"/>
+                        </a:lnSpc>
+                        <a:spcBef>
+                          <a:spcPts val="0"/>
+                        </a:spcBef>
+                        <a:spcAft>
+                          <a:spcPts val="0"/>
+                        </a:spcAft>
+                        <a:buClrTx/>
+                        <a:buSzTx/>
+                        <a:buFontTx/>
+                        <a:buNone/>
+                        <a:tabLst/>
+                        <a:defRPr/>
+                      </a:pPr>
                       <a:r>
                         <a:rPr lang="en-US" altLang="zh-CN" sz="1400"/>
-                        <a:t>struct cgroup</a:t>
+                        <a:t>struct list_head</a:t>
                       </a:r>
                       <a:r>
                         <a:rPr lang="zh-CN" altLang="en-US" sz="1400"/>
@@ -4291,7 +4307,7 @@
                       </a:r>
                       <a:r>
                         <a:rPr lang="en-US" altLang="zh-CN" sz="1400"/>
-                        <a:t>*cset;</a:t>
+                        <a:t>cset_link;</a:t>
                       </a:r>
                       <a:endParaRPr lang="zh-CN" altLang="en-US" sz="1400"/>
                     </a:p>
@@ -4313,7 +4329,7 @@
                       <a:pPr algn="ctr"/>
                       <a:r>
                         <a:rPr lang="en-US" altLang="zh-CN" sz="1400"/>
-                        <a:t>struct list_head</a:t>
+                        <a:t>struct cgroup</a:t>
                       </a:r>
                       <a:r>
                         <a:rPr lang="zh-CN" altLang="en-US" sz="1400"/>
@@ -4321,7 +4337,7 @@
                       </a:r>
                       <a:r>
                         <a:rPr lang="en-US" altLang="zh-CN" sz="1400"/>
-                        <a:t>cset_link;</a:t>
+                        <a:t>*cset;</a:t>
                       </a:r>
                       <a:endParaRPr lang="zh-CN" altLang="en-US" sz="1400"/>
                     </a:p>
@@ -4340,10 +4356,26 @@
                     <a:bodyPr/>
                     <a:lstStyle/>
                     <a:p>
-                      <a:pPr algn="ctr"/>
+                      <a:pPr marL="0" marR="0" lvl="0" indent="0" algn="ctr" defTabSz="914400" rtl="0" eaLnBrk="1" fontAlgn="auto" latinLnBrk="0" hangingPunct="1">
+                        <a:lnSpc>
+                          <a:spcPct val="100000"/>
+                        </a:lnSpc>
+                        <a:spcBef>
+                          <a:spcPts val="0"/>
+                        </a:spcBef>
+                        <a:spcAft>
+                          <a:spcPts val="0"/>
+                        </a:spcAft>
+                        <a:buClrTx/>
+                        <a:buSzTx/>
+                        <a:buFontTx/>
+                        <a:buNone/>
+                        <a:tabLst/>
+                        <a:defRPr/>
+                      </a:pPr>
                       <a:r>
                         <a:rPr lang="en-US" altLang="zh-CN" sz="1400"/>
-                        <a:t>struct list_head</a:t>
+                        <a:t>struct cgroup</a:t>
                       </a:r>
                       <a:r>
                         <a:rPr lang="zh-CN" altLang="en-US" sz="1400"/>
@@ -4351,7 +4383,7 @@
                       </a:r>
                       <a:r>
                         <a:rPr lang="en-US" altLang="zh-CN" sz="1400"/>
-                        <a:t>cgrp_link;</a:t>
+                        <a:t>*cgrp;</a:t>
                       </a:r>
                       <a:endParaRPr lang="zh-CN" altLang="en-US" sz="1400"/>
                     </a:p>
@@ -4554,8 +4586,8 @@
         </p:nvCxnSpPr>
         <p:spPr>
           <a:xfrm rot="10800000">
-            <a:off x="3349261" y="3765834"/>
-            <a:ext cx="1701028" cy="1437763"/>
+            <a:off x="3349261" y="3765836"/>
+            <a:ext cx="1701028" cy="335967"/>
           </a:xfrm>
           <a:prstGeom prst="bentConnector3">
             <a:avLst/>
@@ -4591,13 +4623,14 @@
           </p:cNvPr>
           <p:cNvCxnSpPr>
             <a:cxnSpLocks/>
+            <a:endCxn id="9" idx="3"/>
           </p:cNvCxnSpPr>
           <p:nvPr/>
         </p:nvCxnSpPr>
         <p:spPr>
           <a:xfrm rot="10800000" flipV="1">
-            <a:off x="7098426" y="3765834"/>
-            <a:ext cx="1504742" cy="1095082"/>
+            <a:off x="7104836" y="3765834"/>
+            <a:ext cx="1498335" cy="696510"/>
           </a:xfrm>
           <a:prstGeom prst="bentConnector3">
             <a:avLst/>
@@ -4723,13 +4756,13 @@
           <p:nvPr>
             <p:extLst>
               <p:ext uri="{D42A27DB-BD31-4B8C-83A1-F6EECF244321}">
-                <p14:modId xmlns:p14="http://schemas.microsoft.com/office/powerpoint/2010/main" val="2362539265"/>
+                <p14:modId xmlns:p14="http://schemas.microsoft.com/office/powerpoint/2010/main" val="3611929687"/>
               </p:ext>
             </p:extLst>
           </p:nvPr>
         </p:nvGraphicFramePr>
         <p:xfrm>
-          <a:off x="53104" y="4548053"/>
+          <a:off x="45179" y="4249255"/>
           <a:ext cx="2184400" cy="1483360"/>
         </p:xfrm>
         <a:graphic>
@@ -4862,13 +4895,13 @@
           <p:nvPr>
             <p:extLst>
               <p:ext uri="{D42A27DB-BD31-4B8C-83A1-F6EECF244321}">
-                <p14:modId xmlns:p14="http://schemas.microsoft.com/office/powerpoint/2010/main" val="3976055241"/>
+                <p14:modId xmlns:p14="http://schemas.microsoft.com/office/powerpoint/2010/main" val="1814301034"/>
               </p:ext>
             </p:extLst>
           </p:nvPr>
         </p:nvGraphicFramePr>
         <p:xfrm>
-          <a:off x="9970101" y="4547293"/>
+          <a:off x="9970101" y="4249255"/>
           <a:ext cx="2184400" cy="1483360"/>
         </p:xfrm>
         <a:graphic>
@@ -4988,111 +5021,22 @@
       </p:graphicFrame>
       <p:cxnSp>
         <p:nvCxnSpPr>
-          <p:cNvPr id="19" name="肘形连接符 18">
-            <a:extLst>
-              <a:ext uri="{FF2B5EF4-FFF2-40B4-BE49-F238E27FC236}">
-                <a16:creationId xmlns:a16="http://schemas.microsoft.com/office/drawing/2014/main" id="{AC1BD3DF-8F9A-4849-8E7A-A2B3744B33C3}"/>
+          <p:cNvPr id="24" name="肘形连接符 23">
+            <a:extLst>
+              <a:ext uri="{FF2B5EF4-FFF2-40B4-BE49-F238E27FC236}">
+                <a16:creationId xmlns:a16="http://schemas.microsoft.com/office/drawing/2014/main" id="{977C5265-3911-C54E-9CFF-8B00064C198F}"/>
               </a:ext>
             </a:extLst>
           </p:cNvPr>
           <p:cNvCxnSpPr>
             <a:cxnSpLocks/>
-            <a:endCxn id="5" idx="2"/>
           </p:cNvCxnSpPr>
           <p:nvPr/>
         </p:nvCxnSpPr>
         <p:spPr>
-          <a:xfrm rot="5400000" flipH="1" flipV="1">
-            <a:off x="1581622" y="4587429"/>
-            <a:ext cx="1602431" cy="290668"/>
-          </a:xfrm>
-          <a:prstGeom prst="bentConnector3">
-            <a:avLst>
-              <a:gd name="adj1" fmla="val 648"/>
-            </a:avLst>
-          </a:prstGeom>
-          <a:ln w="19050">
-            <a:tailEnd type="triangle"/>
-          </a:ln>
-        </p:spPr>
-        <p:style>
-          <a:lnRef idx="1">
-            <a:schemeClr val="accent1"/>
-          </a:lnRef>
-          <a:fillRef idx="0">
-            <a:schemeClr val="accent1"/>
-          </a:fillRef>
-          <a:effectRef idx="0">
-            <a:schemeClr val="accent1"/>
-          </a:effectRef>
-          <a:fontRef idx="minor">
-            <a:schemeClr val="tx1"/>
-          </a:fontRef>
-        </p:style>
-      </p:cxnSp>
-      <p:cxnSp>
-        <p:nvCxnSpPr>
-          <p:cNvPr id="21" name="肘形连接符 20">
-            <a:extLst>
-              <a:ext uri="{FF2B5EF4-FFF2-40B4-BE49-F238E27FC236}">
-                <a16:creationId xmlns:a16="http://schemas.microsoft.com/office/drawing/2014/main" id="{A62D1D12-17AC-0E43-8A37-923CB0AF0251}"/>
-              </a:ext>
-            </a:extLst>
-          </p:cNvPr>
-          <p:cNvCxnSpPr>
-            <a:cxnSpLocks/>
-            <a:endCxn id="8" idx="2"/>
-          </p:cNvCxnSpPr>
-          <p:nvPr/>
-        </p:nvCxnSpPr>
-        <p:spPr>
-          <a:xfrm rot="16200000" flipV="1">
-            <a:off x="8910189" y="4451645"/>
-            <a:ext cx="1571286" cy="530330"/>
-          </a:xfrm>
-          <a:prstGeom prst="bentConnector3">
-            <a:avLst>
-              <a:gd name="adj1" fmla="val 194"/>
-            </a:avLst>
-          </a:prstGeom>
-          <a:ln w="19050">
-            <a:tailEnd type="triangle"/>
-          </a:ln>
-        </p:spPr>
-        <p:style>
-          <a:lnRef idx="1">
-            <a:schemeClr val="accent1"/>
-          </a:lnRef>
-          <a:fillRef idx="0">
-            <a:schemeClr val="accent1"/>
-          </a:fillRef>
-          <a:effectRef idx="0">
-            <a:schemeClr val="accent1"/>
-          </a:effectRef>
-          <a:fontRef idx="minor">
-            <a:schemeClr val="tx1"/>
-          </a:fontRef>
-        </p:style>
-      </p:cxnSp>
-      <p:cxnSp>
-        <p:nvCxnSpPr>
-          <p:cNvPr id="24" name="肘形连接符 23">
-            <a:extLst>
-              <a:ext uri="{FF2B5EF4-FFF2-40B4-BE49-F238E27FC236}">
-                <a16:creationId xmlns:a16="http://schemas.microsoft.com/office/drawing/2014/main" id="{977C5265-3911-C54E-9CFF-8B00064C198F}"/>
-              </a:ext>
-            </a:extLst>
-          </p:cNvPr>
-          <p:cNvCxnSpPr>
-            <a:cxnSpLocks/>
-            <a:stCxn id="9" idx="1"/>
-          </p:cNvCxnSpPr>
-          <p:nvPr/>
-        </p:nvCxnSpPr>
-        <p:spPr>
-          <a:xfrm rot="10800000" flipV="1">
-            <a:off x="2230177" y="4462344"/>
-            <a:ext cx="2820112" cy="297820"/>
+          <a:xfrm rot="10800000">
+            <a:off x="2221899" y="4419513"/>
+            <a:ext cx="2828390" cy="441407"/>
           </a:xfrm>
           <a:prstGeom prst="bentConnector3">
             <a:avLst>
@@ -5133,9 +5077,9 @@
           <p:nvPr/>
         </p:nvCxnSpPr>
         <p:spPr>
-          <a:xfrm>
-            <a:off x="7111859" y="4101802"/>
-            <a:ext cx="2858242" cy="658363"/>
+          <a:xfrm flipV="1">
+            <a:off x="7098426" y="4419513"/>
+            <a:ext cx="2871675" cy="802193"/>
           </a:xfrm>
           <a:prstGeom prst="bentConnector3">
             <a:avLst>
